--- a/Lecture/wk5.pptx
+++ b/Lecture/wk5.pptx
@@ -275,7 +275,7 @@
           <a:p>
             <a:fld id="{84BB3998-985A-4D94-B13E-1B64131194E0}" type="datetimeFigureOut">
               <a:rPr lang="en-US" smtClean="0"/>
-              <a:t>2/8/21</a:t>
+              <a:t>2/21/21</a:t>
             </a:fld>
             <a:endParaRPr lang="en-US"/>
           </a:p>
@@ -473,7 +473,7 @@
           <a:p>
             <a:fld id="{84BB3998-985A-4D94-B13E-1B64131194E0}" type="datetimeFigureOut">
               <a:rPr lang="en-US" smtClean="0"/>
-              <a:t>2/8/21</a:t>
+              <a:t>2/21/21</a:t>
             </a:fld>
             <a:endParaRPr lang="en-US"/>
           </a:p>
@@ -681,7 +681,7 @@
           <a:p>
             <a:fld id="{84BB3998-985A-4D94-B13E-1B64131194E0}" type="datetimeFigureOut">
               <a:rPr lang="en-US" smtClean="0"/>
-              <a:t>2/8/21</a:t>
+              <a:t>2/21/21</a:t>
             </a:fld>
             <a:endParaRPr lang="en-US"/>
           </a:p>
@@ -879,7 +879,7 @@
           <a:p>
             <a:fld id="{84BB3998-985A-4D94-B13E-1B64131194E0}" type="datetimeFigureOut">
               <a:rPr lang="en-US" smtClean="0"/>
-              <a:t>2/8/21</a:t>
+              <a:t>2/21/21</a:t>
             </a:fld>
             <a:endParaRPr lang="en-US"/>
           </a:p>
@@ -1154,7 +1154,7 @@
           <a:p>
             <a:fld id="{84BB3998-985A-4D94-B13E-1B64131194E0}" type="datetimeFigureOut">
               <a:rPr lang="en-US" smtClean="0"/>
-              <a:t>2/8/21</a:t>
+              <a:t>2/21/21</a:t>
             </a:fld>
             <a:endParaRPr lang="en-US"/>
           </a:p>
@@ -1419,7 +1419,7 @@
           <a:p>
             <a:fld id="{84BB3998-985A-4D94-B13E-1B64131194E0}" type="datetimeFigureOut">
               <a:rPr lang="en-US" smtClean="0"/>
-              <a:t>2/8/21</a:t>
+              <a:t>2/21/21</a:t>
             </a:fld>
             <a:endParaRPr lang="en-US"/>
           </a:p>
@@ -1831,7 +1831,7 @@
           <a:p>
             <a:fld id="{84BB3998-985A-4D94-B13E-1B64131194E0}" type="datetimeFigureOut">
               <a:rPr lang="en-US" smtClean="0"/>
-              <a:t>2/8/21</a:t>
+              <a:t>2/21/21</a:t>
             </a:fld>
             <a:endParaRPr lang="en-US"/>
           </a:p>
@@ -1972,7 +1972,7 @@
           <a:p>
             <a:fld id="{84BB3998-985A-4D94-B13E-1B64131194E0}" type="datetimeFigureOut">
               <a:rPr lang="en-US" smtClean="0"/>
-              <a:t>2/8/21</a:t>
+              <a:t>2/21/21</a:t>
             </a:fld>
             <a:endParaRPr lang="en-US"/>
           </a:p>
@@ -2085,7 +2085,7 @@
           <a:p>
             <a:fld id="{84BB3998-985A-4D94-B13E-1B64131194E0}" type="datetimeFigureOut">
               <a:rPr lang="en-US" smtClean="0"/>
-              <a:t>2/8/21</a:t>
+              <a:t>2/21/21</a:t>
             </a:fld>
             <a:endParaRPr lang="en-US"/>
           </a:p>
@@ -2396,7 +2396,7 @@
           <a:p>
             <a:fld id="{84BB3998-985A-4D94-B13E-1B64131194E0}" type="datetimeFigureOut">
               <a:rPr lang="en-US" smtClean="0"/>
-              <a:t>2/8/21</a:t>
+              <a:t>2/21/21</a:t>
             </a:fld>
             <a:endParaRPr lang="en-US"/>
           </a:p>
@@ -2684,7 +2684,7 @@
           <a:p>
             <a:fld id="{84BB3998-985A-4D94-B13E-1B64131194E0}" type="datetimeFigureOut">
               <a:rPr lang="en-US" smtClean="0"/>
-              <a:t>2/8/21</a:t>
+              <a:t>2/21/21</a:t>
             </a:fld>
             <a:endParaRPr lang="en-US"/>
           </a:p>
@@ -2925,7 +2925,7 @@
           <a:p>
             <a:fld id="{84BB3998-985A-4D94-B13E-1B64131194E0}" type="datetimeFigureOut">
               <a:rPr lang="en-US" smtClean="0"/>
-              <a:t>2/8/21</a:t>
+              <a:t>2/21/21</a:t>
             </a:fld>
             <a:endParaRPr lang="en-US"/>
           </a:p>
